--- a/指令与组件.pptx
+++ b/指令与组件.pptx
@@ -2,7 +2,7 @@
 <file path=ppt/presentation.xml><?xml version="1.0" encoding="utf-8"?>
 <p:presentation xmlns:a="http://schemas.openxmlformats.org/drawingml/2006/main" xmlns:r="http://schemas.openxmlformats.org/officeDocument/2006/relationships" xmlns:p="http://schemas.openxmlformats.org/presentationml/2006/main" saveSubsetFonts="1">
   <p:sldMasterIdLst>
-    <p:sldMasterId id="2147483677" r:id="rId1"/>
+    <p:sldMasterId id="2147483919" r:id="rId1"/>
   </p:sldMasterIdLst>
   <p:sldIdLst>
     <p:sldId id="256" r:id="rId2"/>
@@ -19,7 +19,9 @@
     <p:sldId id="268" r:id="rId13"/>
     <p:sldId id="269" r:id="rId14"/>
     <p:sldId id="267" r:id="rId15"/>
-    <p:sldId id="270" r:id="rId16"/>
+    <p:sldId id="271" r:id="rId16"/>
+    <p:sldId id="272" r:id="rId17"/>
+    <p:sldId id="270" r:id="rId18"/>
   </p:sldIdLst>
   <p:sldSz cx="12192000" cy="6858000"/>
   <p:notesSz cx="6858000" cy="9144000"/>
@@ -118,6 +120,11 @@
       </a:defRPr>
     </a:lvl9pPr>
   </p:defaultTextStyle>
+  <p:extLst>
+    <p:ext uri="{EFAFB233-063F-42B5-8137-9DF3F51BA10A}">
+      <p15:sldGuideLst xmlns:p15="http://schemas.microsoft.com/office/powerpoint/2012/main"/>
+    </p:ext>
+  </p:extLst>
 </p:presentation>
 </file>
 
@@ -917,7 +924,7 @@
     </p:spTree>
     <p:extLst>
       <p:ext uri="{BB962C8B-B14F-4D97-AF65-F5344CB8AC3E}">
-        <p14:creationId xmlns:p14="http://schemas.microsoft.com/office/powerpoint/2010/main" val="891988620"/>
+        <p14:creationId xmlns:p14="http://schemas.microsoft.com/office/powerpoint/2010/main" val="1392243721"/>
       </p:ext>
     </p:extLst>
   </p:cSld>
@@ -1168,7 +1175,7 @@
     </p:spTree>
     <p:extLst>
       <p:ext uri="{BB962C8B-B14F-4D97-AF65-F5344CB8AC3E}">
-        <p14:creationId xmlns:p14="http://schemas.microsoft.com/office/powerpoint/2010/main" val="2547369890"/>
+        <p14:creationId xmlns:p14="http://schemas.microsoft.com/office/powerpoint/2010/main" val="420594095"/>
       </p:ext>
     </p:extLst>
   </p:cSld>
@@ -1564,7 +1571,7 @@
     </p:spTree>
     <p:extLst>
       <p:ext uri="{BB962C8B-B14F-4D97-AF65-F5344CB8AC3E}">
-        <p14:creationId xmlns:p14="http://schemas.microsoft.com/office/powerpoint/2010/main" val="1721038580"/>
+        <p14:creationId xmlns:p14="http://schemas.microsoft.com/office/powerpoint/2010/main" val="158546629"/>
       </p:ext>
     </p:extLst>
   </p:cSld>
@@ -1815,7 +1822,7 @@
     </p:spTree>
     <p:extLst>
       <p:ext uri="{BB962C8B-B14F-4D97-AF65-F5344CB8AC3E}">
-        <p14:creationId xmlns:p14="http://schemas.microsoft.com/office/powerpoint/2010/main" val="1859840009"/>
+        <p14:creationId xmlns:p14="http://schemas.microsoft.com/office/powerpoint/2010/main" val="3624009046"/>
       </p:ext>
     </p:extLst>
   </p:cSld>
@@ -2211,7 +2218,7 @@
     </p:spTree>
     <p:extLst>
       <p:ext uri="{BB962C8B-B14F-4D97-AF65-F5344CB8AC3E}">
-        <p14:creationId xmlns:p14="http://schemas.microsoft.com/office/powerpoint/2010/main" val="1615616820"/>
+        <p14:creationId xmlns:p14="http://schemas.microsoft.com/office/powerpoint/2010/main" val="1396974473"/>
       </p:ext>
     </p:extLst>
   </p:cSld>
@@ -2522,7 +2529,7 @@
     </p:spTree>
     <p:extLst>
       <p:ext uri="{BB962C8B-B14F-4D97-AF65-F5344CB8AC3E}">
-        <p14:creationId xmlns:p14="http://schemas.microsoft.com/office/powerpoint/2010/main" val="1205074284"/>
+        <p14:creationId xmlns:p14="http://schemas.microsoft.com/office/powerpoint/2010/main" val="2576187853"/>
       </p:ext>
     </p:extLst>
   </p:cSld>
@@ -2692,7 +2699,7 @@
     </p:spTree>
     <p:extLst>
       <p:ext uri="{BB962C8B-B14F-4D97-AF65-F5344CB8AC3E}">
-        <p14:creationId xmlns:p14="http://schemas.microsoft.com/office/powerpoint/2010/main" val="3152807761"/>
+        <p14:creationId xmlns:p14="http://schemas.microsoft.com/office/powerpoint/2010/main" val="3248139773"/>
       </p:ext>
     </p:extLst>
   </p:cSld>
@@ -2872,7 +2879,7 @@
     </p:spTree>
     <p:extLst>
       <p:ext uri="{BB962C8B-B14F-4D97-AF65-F5344CB8AC3E}">
-        <p14:creationId xmlns:p14="http://schemas.microsoft.com/office/powerpoint/2010/main" val="361687334"/>
+        <p14:creationId xmlns:p14="http://schemas.microsoft.com/office/powerpoint/2010/main" val="819590432"/>
       </p:ext>
     </p:extLst>
   </p:cSld>
@@ -3042,7 +3049,7 @@
     </p:spTree>
     <p:extLst>
       <p:ext uri="{BB962C8B-B14F-4D97-AF65-F5344CB8AC3E}">
-        <p14:creationId xmlns:p14="http://schemas.microsoft.com/office/powerpoint/2010/main" val="3688241132"/>
+        <p14:creationId xmlns:p14="http://schemas.microsoft.com/office/powerpoint/2010/main" val="3716294039"/>
       </p:ext>
     </p:extLst>
   </p:cSld>
@@ -3289,7 +3296,7 @@
     </p:spTree>
     <p:extLst>
       <p:ext uri="{BB962C8B-B14F-4D97-AF65-F5344CB8AC3E}">
-        <p14:creationId xmlns:p14="http://schemas.microsoft.com/office/powerpoint/2010/main" val="1472545054"/>
+        <p14:creationId xmlns:p14="http://schemas.microsoft.com/office/powerpoint/2010/main" val="697884787"/>
       </p:ext>
     </p:extLst>
   </p:cSld>
@@ -3521,7 +3528,7 @@
     </p:spTree>
     <p:extLst>
       <p:ext uri="{BB962C8B-B14F-4D97-AF65-F5344CB8AC3E}">
-        <p14:creationId xmlns:p14="http://schemas.microsoft.com/office/powerpoint/2010/main" val="3758823226"/>
+        <p14:creationId xmlns:p14="http://schemas.microsoft.com/office/powerpoint/2010/main" val="1352066366"/>
       </p:ext>
     </p:extLst>
   </p:cSld>
@@ -3895,7 +3902,7 @@
     </p:spTree>
     <p:extLst>
       <p:ext uri="{BB962C8B-B14F-4D97-AF65-F5344CB8AC3E}">
-        <p14:creationId xmlns:p14="http://schemas.microsoft.com/office/powerpoint/2010/main" val="3684400391"/>
+        <p14:creationId xmlns:p14="http://schemas.microsoft.com/office/powerpoint/2010/main" val="1147370150"/>
       </p:ext>
     </p:extLst>
   </p:cSld>
@@ -4018,7 +4025,7 @@
     </p:spTree>
     <p:extLst>
       <p:ext uri="{BB962C8B-B14F-4D97-AF65-F5344CB8AC3E}">
-        <p14:creationId xmlns:p14="http://schemas.microsoft.com/office/powerpoint/2010/main" val="2481787323"/>
+        <p14:creationId xmlns:p14="http://schemas.microsoft.com/office/powerpoint/2010/main" val="4143471758"/>
       </p:ext>
     </p:extLst>
   </p:cSld>
@@ -4113,7 +4120,7 @@
     </p:spTree>
     <p:extLst>
       <p:ext uri="{BB962C8B-B14F-4D97-AF65-F5344CB8AC3E}">
-        <p14:creationId xmlns:p14="http://schemas.microsoft.com/office/powerpoint/2010/main" val="1046378325"/>
+        <p14:creationId xmlns:p14="http://schemas.microsoft.com/office/powerpoint/2010/main" val="3452714544"/>
       </p:ext>
     </p:extLst>
   </p:cSld>
@@ -4368,7 +4375,7 @@
     </p:spTree>
     <p:extLst>
       <p:ext uri="{BB962C8B-B14F-4D97-AF65-F5344CB8AC3E}">
-        <p14:creationId xmlns:p14="http://schemas.microsoft.com/office/powerpoint/2010/main" val="3505076467"/>
+        <p14:creationId xmlns:p14="http://schemas.microsoft.com/office/powerpoint/2010/main" val="3040346959"/>
       </p:ext>
     </p:extLst>
   </p:cSld>
@@ -4578,7 +4585,7 @@
           <a:bodyPr/>
           <a:lstStyle/>
           <a:p>
-            <a:endParaRPr lang="zh-CN" altLang="en-US"/>
+            <a:endParaRPr lang="en-US" dirty="0"/>
           </a:p>
         </p:txBody>
       </p:sp>
@@ -4631,7 +4638,7 @@
     </p:spTree>
     <p:extLst>
       <p:ext uri="{BB962C8B-B14F-4D97-AF65-F5344CB8AC3E}">
-        <p14:creationId xmlns:p14="http://schemas.microsoft.com/office/powerpoint/2010/main" val="2749557135"/>
+        <p14:creationId xmlns:p14="http://schemas.microsoft.com/office/powerpoint/2010/main" val="1484427591"/>
       </p:ext>
     </p:extLst>
   </p:cSld>
@@ -5409,28 +5416,28 @@
     </p:spTree>
     <p:extLst>
       <p:ext uri="{BB962C8B-B14F-4D97-AF65-F5344CB8AC3E}">
-        <p14:creationId xmlns:p14="http://schemas.microsoft.com/office/powerpoint/2010/main" val="1841617836"/>
+        <p14:creationId xmlns:p14="http://schemas.microsoft.com/office/powerpoint/2010/main" val="1167462303"/>
       </p:ext>
     </p:extLst>
   </p:cSld>
   <p:clrMap bg1="lt1" tx1="dk1" bg2="lt2" tx2="dk2" accent1="accent1" accent2="accent2" accent3="accent3" accent4="accent4" accent5="accent5" accent6="accent6" hlink="hlink" folHlink="folHlink"/>
   <p:sldLayoutIdLst>
-    <p:sldLayoutId id="2147483678" r:id="rId1"/>
-    <p:sldLayoutId id="2147483679" r:id="rId2"/>
-    <p:sldLayoutId id="2147483680" r:id="rId3"/>
-    <p:sldLayoutId id="2147483681" r:id="rId4"/>
-    <p:sldLayoutId id="2147483682" r:id="rId5"/>
-    <p:sldLayoutId id="2147483683" r:id="rId6"/>
-    <p:sldLayoutId id="2147483684" r:id="rId7"/>
-    <p:sldLayoutId id="2147483685" r:id="rId8"/>
-    <p:sldLayoutId id="2147483686" r:id="rId9"/>
-    <p:sldLayoutId id="2147483687" r:id="rId10"/>
-    <p:sldLayoutId id="2147483688" r:id="rId11"/>
-    <p:sldLayoutId id="2147483689" r:id="rId12"/>
-    <p:sldLayoutId id="2147483690" r:id="rId13"/>
-    <p:sldLayoutId id="2147483691" r:id="rId14"/>
-    <p:sldLayoutId id="2147483692" r:id="rId15"/>
-    <p:sldLayoutId id="2147483693" r:id="rId16"/>
+    <p:sldLayoutId id="2147483920" r:id="rId1"/>
+    <p:sldLayoutId id="2147483921" r:id="rId2"/>
+    <p:sldLayoutId id="2147483922" r:id="rId3"/>
+    <p:sldLayoutId id="2147483923" r:id="rId4"/>
+    <p:sldLayoutId id="2147483924" r:id="rId5"/>
+    <p:sldLayoutId id="2147483925" r:id="rId6"/>
+    <p:sldLayoutId id="2147483926" r:id="rId7"/>
+    <p:sldLayoutId id="2147483927" r:id="rId8"/>
+    <p:sldLayoutId id="2147483928" r:id="rId9"/>
+    <p:sldLayoutId id="2147483929" r:id="rId10"/>
+    <p:sldLayoutId id="2147483930" r:id="rId11"/>
+    <p:sldLayoutId id="2147483931" r:id="rId12"/>
+    <p:sldLayoutId id="2147483932" r:id="rId13"/>
+    <p:sldLayoutId id="2147483933" r:id="rId14"/>
+    <p:sldLayoutId id="2147483934" r:id="rId15"/>
+    <p:sldLayoutId id="2147483935" r:id="rId16"/>
   </p:sldLayoutIdLst>
   <p:txStyles>
     <p:titleStyle>
@@ -5939,6 +5946,40 @@
           </a:extLst>
         </p:spPr>
       </p:pic>
+      <p:sp>
+        <p:nvSpPr>
+          <p:cNvPr id="3" name="文本框 2"/>
+          <p:cNvSpPr txBox="1"/>
+          <p:nvPr/>
+        </p:nvSpPr>
+        <p:spPr>
+          <a:xfrm>
+            <a:off x="9009617" y="4152055"/>
+            <a:ext cx="1444626" cy="369332"/>
+          </a:xfrm>
+          <a:prstGeom prst="rect">
+            <a:avLst/>
+          </a:prstGeom>
+          <a:noFill/>
+        </p:spPr>
+        <p:txBody>
+          <a:bodyPr wrap="none" rtlCol="0">
+            <a:spAutoFit/>
+          </a:bodyPr>
+          <a:lstStyle/>
+          <a:p>
+            <a:r>
+              <a:rPr lang="zh-CN" altLang="en-US" dirty="0" smtClean="0"/>
+              <a:t>分享人：</a:t>
+            </a:r>
+            <a:r>
+              <a:rPr lang="en-US" altLang="zh-CN" dirty="0" smtClean="0"/>
+              <a:t>rily</a:t>
+            </a:r>
+            <a:endParaRPr lang="zh-CN" altLang="en-US" dirty="0"/>
+          </a:p>
+        </p:txBody>
+      </p:sp>
     </p:spTree>
     <p:extLst>
       <p:ext uri="{BB962C8B-B14F-4D97-AF65-F5344CB8AC3E}">
@@ -6471,15 +6512,7 @@
             </a:r>
             <a:r>
               <a:rPr lang="zh-CN" altLang="en-US" dirty="0" smtClean="0"/>
-              <a:t>：在组件初始化时执行</a:t>
-            </a:r>
-            <a:r>
-              <a:rPr lang="zh-CN" altLang="en-US" dirty="0" smtClean="0"/>
-              <a:t>该</a:t>
-            </a:r>
-            <a:r>
-              <a:rPr lang="zh-CN" altLang="en-US" dirty="0" smtClean="0"/>
-              <a:t>函数，常用于初始化数据</a:t>
+              <a:t>：在组件初始化时执行该函数，常用于初始化数据</a:t>
             </a:r>
             <a:endParaRPr lang="en-US" altLang="zh-CN" dirty="0" smtClean="0"/>
           </a:p>
@@ -6494,11 +6527,7 @@
             </a:r>
             <a:r>
               <a:rPr lang="zh-CN" altLang="en-US" dirty="0" smtClean="0"/>
-              <a:t>：在</a:t>
-            </a:r>
-            <a:r>
-              <a:rPr lang="zh-CN" altLang="en-US" dirty="0" smtClean="0"/>
-              <a:t>组件</a:t>
+              <a:t>：在组件</a:t>
             </a:r>
             <a:r>
               <a:rPr lang="zh-CN" altLang="en-US" dirty="0"/>
@@ -6651,6 +6680,337 @@
 </file>
 
 <file path=ppt/slides/slide15.xml><?xml version="1.0" encoding="utf-8"?>
+<p:sld xmlns:a="http://schemas.openxmlformats.org/drawingml/2006/main" xmlns:r="http://schemas.openxmlformats.org/officeDocument/2006/relationships" xmlns:p="http://schemas.openxmlformats.org/presentationml/2006/main">
+  <p:cSld>
+    <p:spTree>
+      <p:nvGrpSpPr>
+        <p:cNvPr id="1" name=""/>
+        <p:cNvGrpSpPr/>
+        <p:nvPr/>
+      </p:nvGrpSpPr>
+      <p:grpSpPr>
+        <a:xfrm>
+          <a:off x="0" y="0"/>
+          <a:ext cx="0" cy="0"/>
+          <a:chOff x="0" y="0"/>
+          <a:chExt cx="0" cy="0"/>
+        </a:xfrm>
+      </p:grpSpPr>
+      <p:sp>
+        <p:nvSpPr>
+          <p:cNvPr id="2" name="标题 1"/>
+          <p:cNvSpPr>
+            <a:spLocks noGrp="1"/>
+          </p:cNvSpPr>
+          <p:nvPr>
+            <p:ph type="title"/>
+          </p:nvPr>
+        </p:nvSpPr>
+        <p:spPr/>
+        <p:txBody>
+          <a:bodyPr/>
+          <a:lstStyle/>
+          <a:p>
+            <a:r>
+              <a:rPr lang="en-US" altLang="zh-CN" dirty="0" smtClean="0"/>
+              <a:t>Demo</a:t>
+            </a:r>
+            <a:r>
+              <a:rPr lang="zh-CN" altLang="en-US" dirty="0" smtClean="0"/>
+              <a:t>分享与踩坑解答</a:t>
+            </a:r>
+            <a:endParaRPr lang="zh-CN" altLang="en-US" dirty="0"/>
+          </a:p>
+        </p:txBody>
+      </p:sp>
+      <p:sp>
+        <p:nvSpPr>
+          <p:cNvPr id="3" name="内容占位符 2"/>
+          <p:cNvSpPr>
+            <a:spLocks noGrp="1"/>
+          </p:cNvSpPr>
+          <p:nvPr>
+            <p:ph idx="1"/>
+          </p:nvPr>
+        </p:nvSpPr>
+        <p:spPr/>
+        <p:txBody>
+          <a:bodyPr/>
+          <a:lstStyle/>
+          <a:p>
+            <a:pPr marL="0" indent="0">
+              <a:buNone/>
+            </a:pPr>
+            <a:r>
+              <a:rPr lang="en-US" altLang="zh-CN" dirty="0" smtClean="0"/>
+              <a:t>Demo</a:t>
+            </a:r>
+            <a:r>
+              <a:rPr lang="zh-CN" altLang="en-US" dirty="0" smtClean="0"/>
+              <a:t>：</a:t>
+            </a:r>
+            <a:endParaRPr lang="en-US" altLang="zh-CN" dirty="0" smtClean="0"/>
+          </a:p>
+          <a:p>
+            <a:pPr marL="0" indent="0">
+              <a:buNone/>
+            </a:pPr>
+            <a:r>
+              <a:rPr lang="en-US" altLang="zh-CN" dirty="0" smtClean="0"/>
+              <a:t>	</a:t>
+            </a:r>
+            <a:r>
+              <a:rPr lang="en-US" altLang="zh-CN" dirty="0" err="1" smtClean="0"/>
+              <a:t>Github</a:t>
+            </a:r>
+            <a:r>
+              <a:rPr lang="zh-CN" altLang="en-US" dirty="0" smtClean="0"/>
+              <a:t>地址：</a:t>
+            </a:r>
+            <a:r>
+              <a:rPr lang="en-US" altLang="zh-CN" dirty="0">
+                <a:hlinkClick r:id="rId2"/>
+              </a:rPr>
+              <a:t>https://</a:t>
+            </a:r>
+            <a:r>
+              <a:rPr lang="en-US" altLang="zh-CN" dirty="0" smtClean="0">
+                <a:hlinkClick r:id="rId2"/>
+              </a:rPr>
+              <a:t>github.com/RilyZhang/angularjs-directive-dy</a:t>
+            </a:r>
+            <a:endParaRPr lang="en-US" altLang="zh-CN" dirty="0" smtClean="0"/>
+          </a:p>
+          <a:p>
+            <a:pPr marL="0" indent="0">
+              <a:buNone/>
+            </a:pPr>
+            <a:r>
+              <a:rPr lang="en-US" altLang="zh-CN" dirty="0" smtClean="0"/>
+              <a:t>	</a:t>
+            </a:r>
+            <a:r>
+              <a:rPr lang="zh-CN" altLang="en-US" dirty="0" smtClean="0"/>
+              <a:t>（喜欢的话请点击</a:t>
+            </a:r>
+            <a:r>
+              <a:rPr lang="en-US" altLang="zh-CN" dirty="0" smtClean="0"/>
+              <a:t>star</a:t>
+            </a:r>
+            <a:r>
+              <a:rPr lang="zh-CN" altLang="en-US" dirty="0" smtClean="0"/>
+              <a:t>关注，</a:t>
+            </a:r>
+            <a:r>
+              <a:rPr lang="en-US" altLang="zh-CN" dirty="0" smtClean="0"/>
+              <a:t>demo</a:t>
+            </a:r>
+            <a:r>
+              <a:rPr lang="zh-CN" altLang="en-US" dirty="0" smtClean="0"/>
+              <a:t>持续更新中</a:t>
+            </a:r>
+            <a:r>
+              <a:rPr lang="en-US" altLang="zh-CN" dirty="0" smtClean="0"/>
+              <a:t>…</a:t>
+            </a:r>
+            <a:r>
+              <a:rPr lang="zh-CN" altLang="en-US" dirty="0" smtClean="0"/>
+              <a:t>）</a:t>
+            </a:r>
+            <a:endParaRPr lang="en-US" altLang="zh-CN" dirty="0" smtClean="0"/>
+          </a:p>
+          <a:p>
+            <a:pPr marL="0" indent="0">
+              <a:buNone/>
+            </a:pPr>
+            <a:r>
+              <a:rPr lang="zh-CN" altLang="en-US" dirty="0"/>
+              <a:t>踩</a:t>
+            </a:r>
+            <a:r>
+              <a:rPr lang="zh-CN" altLang="en-US" dirty="0" smtClean="0"/>
+              <a:t>坑：</a:t>
+            </a:r>
+            <a:endParaRPr lang="en-US" altLang="zh-CN" dirty="0"/>
+          </a:p>
+          <a:p>
+            <a:pPr marL="0" indent="0">
+              <a:buNone/>
+            </a:pPr>
+            <a:r>
+              <a:rPr lang="en-US" altLang="zh-CN" dirty="0" smtClean="0"/>
+              <a:t>	</a:t>
+            </a:r>
+            <a:r>
+              <a:rPr lang="zh-CN" altLang="en-US" dirty="0" smtClean="0"/>
+              <a:t>简书地址：</a:t>
+            </a:r>
+            <a:r>
+              <a:rPr lang="en-US" altLang="zh-CN" dirty="0">
+                <a:hlinkClick r:id="rId3"/>
+              </a:rPr>
+              <a:t>https://</a:t>
+            </a:r>
+            <a:r>
+              <a:rPr lang="en-US" altLang="zh-CN" dirty="0" smtClean="0">
+                <a:hlinkClick r:id="rId3"/>
+              </a:rPr>
+              <a:t>www.jianshu.com/p/21f8e3c14983</a:t>
+            </a:r>
+            <a:endParaRPr lang="en-US" altLang="zh-CN" dirty="0" smtClean="0"/>
+          </a:p>
+          <a:p>
+            <a:pPr marL="0" indent="0">
+              <a:buNone/>
+            </a:pPr>
+            <a:r>
+              <a:rPr lang="en-US" altLang="zh-CN" dirty="0" smtClean="0"/>
+              <a:t>	</a:t>
+            </a:r>
+            <a:r>
+              <a:rPr lang="zh-CN" altLang="en-US" dirty="0" smtClean="0"/>
+              <a:t>阅完点赞，手留余香</a:t>
+            </a:r>
+            <a:r>
+              <a:rPr lang="zh-CN" altLang="en-US" dirty="0" smtClean="0"/>
+              <a:t>。</a:t>
+            </a:r>
+            <a:endParaRPr lang="en-US" altLang="zh-CN" dirty="0" smtClean="0"/>
+          </a:p>
+          <a:p>
+            <a:pPr marL="0" indent="0">
+              <a:buNone/>
+            </a:pPr>
+            <a:r>
+              <a:rPr lang="zh-CN" altLang="en-US" dirty="0" smtClean="0"/>
+              <a:t>技术分享专题：</a:t>
+            </a:r>
+            <a:endParaRPr lang="en-US" altLang="zh-CN" dirty="0" smtClean="0"/>
+          </a:p>
+          <a:p>
+            <a:pPr marL="0" indent="0">
+              <a:buNone/>
+            </a:pPr>
+            <a:r>
+              <a:rPr lang="en-US" altLang="zh-CN" dirty="0"/>
+              <a:t>	</a:t>
+            </a:r>
+            <a:r>
+              <a:rPr lang="zh-CN" altLang="en-US" dirty="0" smtClean="0"/>
+              <a:t>简述地址：</a:t>
+            </a:r>
+            <a:r>
+              <a:rPr lang="en-US" altLang="zh-CN" dirty="0">
+                <a:hlinkClick r:id="rId4"/>
+              </a:rPr>
+              <a:t>https://</a:t>
+            </a:r>
+            <a:r>
+              <a:rPr lang="en-US" altLang="zh-CN" dirty="0" smtClean="0">
+                <a:hlinkClick r:id="rId4"/>
+              </a:rPr>
+              <a:t>www.jianshu.com/c/c04ed79b97e9</a:t>
+            </a:r>
+            <a:endParaRPr lang="en-US" altLang="zh-CN" dirty="0" smtClean="0"/>
+          </a:p>
+        </p:txBody>
+      </p:sp>
+    </p:spTree>
+    <p:extLst>
+      <p:ext uri="{BB962C8B-B14F-4D97-AF65-F5344CB8AC3E}">
+        <p14:creationId xmlns:p14="http://schemas.microsoft.com/office/powerpoint/2010/main" val="3437236041"/>
+      </p:ext>
+    </p:extLst>
+  </p:cSld>
+  <p:clrMapOvr>
+    <a:masterClrMapping/>
+  </p:clrMapOvr>
+</p:sld>
+</file>
+
+<file path=ppt/slides/slide16.xml><?xml version="1.0" encoding="utf-8"?>
+<p:sld xmlns:a="http://schemas.openxmlformats.org/drawingml/2006/main" xmlns:r="http://schemas.openxmlformats.org/officeDocument/2006/relationships" xmlns:p="http://schemas.openxmlformats.org/presentationml/2006/main">
+  <p:cSld>
+    <p:spTree>
+      <p:nvGrpSpPr>
+        <p:cNvPr id="1" name=""/>
+        <p:cNvGrpSpPr/>
+        <p:nvPr/>
+      </p:nvGrpSpPr>
+      <p:grpSpPr>
+        <a:xfrm>
+          <a:off x="0" y="0"/>
+          <a:ext cx="0" cy="0"/>
+          <a:chOff x="0" y="0"/>
+          <a:chExt cx="0" cy="0"/>
+        </a:xfrm>
+      </p:grpSpPr>
+      <p:sp>
+        <p:nvSpPr>
+          <p:cNvPr id="2" name="标题 1"/>
+          <p:cNvSpPr>
+            <a:spLocks noGrp="1"/>
+          </p:cNvSpPr>
+          <p:nvPr>
+            <p:ph type="title"/>
+          </p:nvPr>
+        </p:nvSpPr>
+        <p:spPr/>
+        <p:txBody>
+          <a:bodyPr/>
+          <a:lstStyle/>
+          <a:p>
+            <a:r>
+              <a:rPr lang="zh-CN" altLang="en-US" dirty="0" smtClean="0"/>
+              <a:t>技术交流区：</a:t>
+            </a:r>
+            <a:endParaRPr lang="zh-CN" altLang="en-US" dirty="0"/>
+          </a:p>
+        </p:txBody>
+      </p:sp>
+      <p:pic>
+        <p:nvPicPr>
+          <p:cNvPr id="4" name="内容占位符 3"/>
+          <p:cNvPicPr>
+            <a:picLocks noGrp="1" noChangeAspect="1"/>
+          </p:cNvPicPr>
+          <p:nvPr>
+            <p:ph idx="1"/>
+          </p:nvPr>
+        </p:nvPicPr>
+        <p:blipFill>
+          <a:blip r:embed="rId2" cstate="print">
+            <a:extLst>
+              <a:ext uri="{28A0092B-C50C-407E-A947-70E740481C1C}">
+                <a14:useLocalDpi xmlns:a14="http://schemas.microsoft.com/office/drawing/2010/main" val="0"/>
+              </a:ext>
+            </a:extLst>
+          </a:blip>
+          <a:stretch>
+            <a:fillRect/>
+          </a:stretch>
+        </p:blipFill>
+        <p:spPr>
+          <a:xfrm>
+            <a:off x="3590094" y="1637441"/>
+            <a:ext cx="2771850" cy="4927732"/>
+          </a:xfrm>
+        </p:spPr>
+      </p:pic>
+    </p:spTree>
+    <p:extLst>
+      <p:ext uri="{BB962C8B-B14F-4D97-AF65-F5344CB8AC3E}">
+        <p14:creationId xmlns:p14="http://schemas.microsoft.com/office/powerpoint/2010/main" val="3173783007"/>
+      </p:ext>
+    </p:extLst>
+  </p:cSld>
+  <p:clrMapOvr>
+    <a:masterClrMapping/>
+  </p:clrMapOvr>
+</p:sld>
+</file>
+
+<file path=ppt/slides/slide17.xml><?xml version="1.0" encoding="utf-8"?>
 <p:sld xmlns:a="http://schemas.openxmlformats.org/drawingml/2006/main" xmlns:r="http://schemas.openxmlformats.org/officeDocument/2006/relationships" xmlns:p="http://schemas.openxmlformats.org/presentationml/2006/main">
   <p:cSld>
     <p:spTree>
@@ -7193,21 +7553,7 @@
                 <a:latin typeface="微软雅黑" panose="020B0503020204020204" pitchFamily="34" charset="-122"/>
                 <a:ea typeface="微软雅黑" panose="020B0503020204020204" pitchFamily="34" charset="-122"/>
               </a:rPr>
-              <a:t>是否使用</a:t>
-            </a:r>
-            <a:r>
-              <a:rPr lang="zh-CN" altLang="en-US" sz="2400" dirty="0" smtClean="0">
-                <a:latin typeface="微软雅黑" panose="020B0503020204020204" pitchFamily="34" charset="-122"/>
-                <a:ea typeface="微软雅黑" panose="020B0503020204020204" pitchFamily="34" charset="-122"/>
-              </a:rPr>
-              <a:t>模板</a:t>
-            </a:r>
-            <a:r>
-              <a:rPr lang="zh-CN" altLang="en-US" sz="2400" dirty="0" smtClean="0">
-                <a:latin typeface="微软雅黑" panose="020B0503020204020204" pitchFamily="34" charset="-122"/>
-                <a:ea typeface="微软雅黑" panose="020B0503020204020204" pitchFamily="34" charset="-122"/>
-              </a:rPr>
-              <a:t>替换指令</a:t>
+              <a:t>是否使用模板替换指令</a:t>
             </a:r>
             <a:endParaRPr lang="en-US" altLang="zh-CN" sz="2400" dirty="0" smtClean="0">
               <a:latin typeface="微软雅黑" panose="020B0503020204020204" pitchFamily="34" charset="-122"/>
